--- a/compute/embedded-system/music-control-rgbled.pptx
+++ b/compute/embedded-system/music-control-rgbled.pptx
@@ -3602,7 +3602,7 @@
         <p:spPr>
           <a:xfrm>
             <a:off x="568960" y="1336040"/>
-            <a:ext cx="2225040" cy="521970"/>
+            <a:ext cx="4838700" cy="737235"/>
           </a:xfrm>
           <a:prstGeom prst="rect">
             <a:avLst/>
@@ -3621,15 +3621,127 @@
             <a:endParaRPr lang="en-US" altLang="zh-CN" sz="1400"/>
           </a:p>
           <a:p>
-            <a:r>
-              <a:rPr lang="en-US" altLang="zh-CN" sz="1400"/>
+            <a:pPr marL="742950" lvl="1" indent="-285750">
+              <a:buFont typeface="Arial" panose="020B0604020202020204" pitchFamily="34" charset="0"/>
+              <a:buChar char="•"/>
+            </a:pPr>
+            <a:r>
+              <a:rPr lang="en-US" altLang="zh-CN" sz="1400" strike="sngStrike">
+                <a:solidFill>
+                  <a:schemeClr val="tx1"/>
+                </a:solidFill>
+                <a:uFillTx/>
+              </a:rPr>
               <a:t>STC89C52, </a:t>
             </a:r>
             <a:r>
-              <a:rPr lang="zh-CN" altLang="en-US" sz="1400"/>
+              <a:rPr lang="zh-CN" altLang="en-US" sz="1400" strike="sngStrike">
+                <a:solidFill>
+                  <a:schemeClr val="tx1"/>
+                </a:solidFill>
+                <a:uFillTx/>
+              </a:rPr>
               <a:t>核心控制单元。</a:t>
             </a:r>
-            <a:endParaRPr lang="zh-CN" altLang="en-US" sz="1400"/>
+            <a:r>
+              <a:rPr lang="en-US" altLang="zh-CN" sz="1400" strike="sngStrike">
+                <a:solidFill>
+                  <a:schemeClr val="tx1"/>
+                </a:solidFill>
+                <a:uFillTx/>
+              </a:rPr>
+              <a:t>(</a:t>
+            </a:r>
+            <a:r>
+              <a:rPr lang="zh-CN" altLang="en-US" sz="1400" strike="sngStrike">
+                <a:solidFill>
+                  <a:schemeClr val="tx1"/>
+                </a:solidFill>
+                <a:uFillTx/>
+              </a:rPr>
+              <a:t>无法满足</a:t>
+            </a:r>
+            <a:r>
+              <a:rPr lang="en-US" altLang="zh-CN" sz="1400" strike="sngStrike">
+                <a:solidFill>
+                  <a:schemeClr val="tx1"/>
+                </a:solidFill>
+                <a:uFillTx/>
+              </a:rPr>
+              <a:t>WS2812B</a:t>
+            </a:r>
+            <a:r>
+              <a:rPr lang="zh-CN" altLang="en-US" sz="1400" strike="sngStrike">
+                <a:solidFill>
+                  <a:schemeClr val="tx1"/>
+                </a:solidFill>
+                <a:uFillTx/>
+              </a:rPr>
+              <a:t>时序</a:t>
+            </a:r>
+            <a:r>
+              <a:rPr lang="en-US" altLang="zh-CN" sz="1400" strike="sngStrike">
+                <a:solidFill>
+                  <a:schemeClr val="tx1"/>
+                </a:solidFill>
+                <a:uFillTx/>
+              </a:rPr>
+              <a:t>)</a:t>
+            </a:r>
+            <a:endParaRPr lang="en-US" altLang="zh-CN" sz="1400" strike="sngStrike">
+              <a:solidFill>
+                <a:schemeClr val="tx1"/>
+              </a:solidFill>
+              <a:uFillTx/>
+            </a:endParaRPr>
+          </a:p>
+          <a:p>
+            <a:pPr marL="742950" lvl="1" indent="-285750">
+              <a:buFont typeface="Arial" panose="020B0604020202020204" pitchFamily="34" charset="0"/>
+              <a:buChar char="•"/>
+            </a:pPr>
+            <a:r>
+              <a:rPr lang="en-US" altLang="zh-CN" sz="1400">
+                <a:solidFill>
+                  <a:schemeClr val="tx1"/>
+                </a:solidFill>
+                <a:uFillTx/>
+              </a:rPr>
+              <a:t>STM32F103C8T6, </a:t>
+            </a:r>
+            <a:r>
+              <a:rPr lang="zh-CN" altLang="en-US" sz="1400">
+                <a:solidFill>
+                  <a:schemeClr val="tx1"/>
+                </a:solidFill>
+                <a:uFillTx/>
+              </a:rPr>
+              <a:t>使用</a:t>
+            </a:r>
+            <a:r>
+              <a:rPr lang="en-US" altLang="zh-CN" sz="1400">
+                <a:solidFill>
+                  <a:schemeClr val="tx1"/>
+                </a:solidFill>
+                <a:uFillTx/>
+              </a:rPr>
+              <a:t>SPI</a:t>
+            </a:r>
+            <a:r>
+              <a:rPr lang="zh-CN" altLang="en-US" sz="1400">
+                <a:solidFill>
+                  <a:schemeClr val="tx1"/>
+                </a:solidFill>
+                <a:uFillTx/>
+              </a:rPr>
+              <a:t>驱动</a:t>
+            </a:r>
+            <a:endParaRPr lang="zh-CN" altLang="en-US" sz="1400">
+              <a:solidFill>
+                <a:schemeClr val="tx1"/>
+              </a:solidFill>
+              <a:uFillTx/>
+            </a:endParaRPr>
           </a:p>
         </p:txBody>
       </p:sp>
